--- a/Week 2 Exploratory Data Analysis/Presentation - Cab_G2M_Investment.pptx
+++ b/Week 2 Exploratory Data Analysis/Presentation - Cab_G2M_Investment.pptx
@@ -274,7 +274,7 @@
           <a:p>
             <a:fld id="{CE72C02D-6B32-4797-8B15-058E318C6DF8}" type="datetimeFigureOut">
               <a:rPr lang="en-KE" smtClean="0"/>
-              <a:t>05/14/2022</a:t>
+              <a:t>05/15/2022</a:t>
             </a:fld>
             <a:endParaRPr lang="en-KE"/>
           </a:p>
@@ -606,7 +606,7 @@
           <a:p>
             <a:fld id="{CE72C02D-6B32-4797-8B15-058E318C6DF8}" type="datetimeFigureOut">
               <a:rPr lang="en-KE" smtClean="0"/>
-              <a:t>05/14/2022</a:t>
+              <a:t>05/15/2022</a:t>
             </a:fld>
             <a:endParaRPr lang="en-KE"/>
           </a:p>
@@ -816,7 +816,7 @@
           <a:p>
             <a:fld id="{CE72C02D-6B32-4797-8B15-058E318C6DF8}" type="datetimeFigureOut">
               <a:rPr lang="en-KE" smtClean="0"/>
-              <a:t>05/14/2022</a:t>
+              <a:t>05/15/2022</a:t>
             </a:fld>
             <a:endParaRPr lang="en-KE"/>
           </a:p>
@@ -1016,7 +1016,7 @@
           <a:p>
             <a:fld id="{CE72C02D-6B32-4797-8B15-058E318C6DF8}" type="datetimeFigureOut">
               <a:rPr lang="en-KE" smtClean="0"/>
-              <a:t>05/14/2022</a:t>
+              <a:t>05/15/2022</a:t>
             </a:fld>
             <a:endParaRPr lang="en-KE"/>
           </a:p>
@@ -1292,7 +1292,7 @@
           <a:p>
             <a:fld id="{CE72C02D-6B32-4797-8B15-058E318C6DF8}" type="datetimeFigureOut">
               <a:rPr lang="en-KE" smtClean="0"/>
-              <a:t>05/14/2022</a:t>
+              <a:t>05/15/2022</a:t>
             </a:fld>
             <a:endParaRPr lang="en-KE"/>
           </a:p>
@@ -1560,7 +1560,7 @@
           <a:p>
             <a:fld id="{CE72C02D-6B32-4797-8B15-058E318C6DF8}" type="datetimeFigureOut">
               <a:rPr lang="en-KE" smtClean="0"/>
-              <a:t>05/14/2022</a:t>
+              <a:t>05/15/2022</a:t>
             </a:fld>
             <a:endParaRPr lang="en-KE"/>
           </a:p>
@@ -1975,7 +1975,7 @@
           <a:p>
             <a:fld id="{CE72C02D-6B32-4797-8B15-058E318C6DF8}" type="datetimeFigureOut">
               <a:rPr lang="en-KE" smtClean="0"/>
-              <a:t>05/14/2022</a:t>
+              <a:t>05/15/2022</a:t>
             </a:fld>
             <a:endParaRPr lang="en-KE"/>
           </a:p>
@@ -2117,7 +2117,7 @@
           <a:p>
             <a:fld id="{CE72C02D-6B32-4797-8B15-058E318C6DF8}" type="datetimeFigureOut">
               <a:rPr lang="en-KE" smtClean="0"/>
-              <a:t>05/14/2022</a:t>
+              <a:t>05/15/2022</a:t>
             </a:fld>
             <a:endParaRPr lang="en-KE"/>
           </a:p>
@@ -2230,7 +2230,7 @@
           <a:p>
             <a:fld id="{CE72C02D-6B32-4797-8B15-058E318C6DF8}" type="datetimeFigureOut">
               <a:rPr lang="en-KE" smtClean="0"/>
-              <a:t>05/14/2022</a:t>
+              <a:t>05/15/2022</a:t>
             </a:fld>
             <a:endParaRPr lang="en-KE"/>
           </a:p>
@@ -2543,7 +2543,7 @@
           <a:p>
             <a:fld id="{CE72C02D-6B32-4797-8B15-058E318C6DF8}" type="datetimeFigureOut">
               <a:rPr lang="en-KE" smtClean="0"/>
-              <a:t>05/14/2022</a:t>
+              <a:t>05/15/2022</a:t>
             </a:fld>
             <a:endParaRPr lang="en-KE"/>
           </a:p>
@@ -2832,7 +2832,7 @@
           <a:p>
             <a:fld id="{CE72C02D-6B32-4797-8B15-058E318C6DF8}" type="datetimeFigureOut">
               <a:rPr lang="en-KE" smtClean="0"/>
-              <a:t>05/14/2022</a:t>
+              <a:t>05/15/2022</a:t>
             </a:fld>
             <a:endParaRPr lang="en-KE"/>
           </a:p>
@@ -3075,7 +3075,7 @@
           <a:p>
             <a:fld id="{CE72C02D-6B32-4797-8B15-058E318C6DF8}" type="datetimeFigureOut">
               <a:rPr lang="en-KE" smtClean="0"/>
-              <a:t>05/14/2022</a:t>
+              <a:t>05/15/2022</a:t>
             </a:fld>
             <a:endParaRPr lang="en-KE"/>
           </a:p>
@@ -18646,17 +18646,17 @@
               <a:t> distributed client base, based on </a:t>
             </a:r>
             <a:r>
-              <a:rPr lang="en-US" sz="1800" b="1" dirty="0">
+              <a:rPr lang="tr-TR" sz="1800" b="1">
                 <a:solidFill>
                   <a:srgbClr val="FF0000"/>
                 </a:solidFill>
                 <a:latin typeface="Century Gothic" panose="020B0502020202020204" pitchFamily="34" charset="0"/>
                 <a:ea typeface="Gadugi" panose="020B0502040204020203" pitchFamily="34" charset="0"/>
               </a:rPr>
-              <a:t>income</a:t>
-            </a:r>
-            <a:r>
-              <a:rPr lang="en-US" sz="1800" dirty="0">
+              <a:t>Location</a:t>
+            </a:r>
+            <a:r>
+              <a:rPr lang="en-US" sz="1800">
                 <a:solidFill>
                   <a:srgbClr val="FF0000"/>
                 </a:solidFill>
@@ -18665,6 +18665,13 @@
               </a:rPr>
               <a:t>.</a:t>
             </a:r>
+            <a:endParaRPr lang="en-US" sz="1800" dirty="0">
+              <a:solidFill>
+                <a:srgbClr val="FF0000"/>
+              </a:solidFill>
+              <a:latin typeface="Century Gothic" panose="020B0502020202020204" pitchFamily="34" charset="0"/>
+              <a:ea typeface="Gadugi" panose="020B0502040204020203" pitchFamily="34" charset="0"/>
+            </a:endParaRPr>
           </a:p>
           <a:p>
             <a:pPr algn="just">
